--- a/presentation_equipe_Nexora.pptx
+++ b/presentation_equipe_Nexora.pptx
@@ -1206,7 +1206,7 @@
               <a:rPr lang="en-US"/>
               <a:t>8</a:t>
             </a:fld>
-            <a:endParaRPr lang="en-US"/>
+            <a:endParaRPr lang="en-US" dirty="0"/>
           </a:p>
         </p:txBody>
       </p:sp>
@@ -1389,32 +1389,6 @@
           <a:ln/>
         </p:spPr>
       </p:sp>
-      <p:pic>
-        <p:nvPicPr>
-          <p:cNvPr id="4" name="Image 0" descr="preencoded.png">
-            <a:hlinkClick r:id="rId2"/>
-          </p:cNvPr>
-          <p:cNvPicPr>
-            <a:picLocks noChangeAspect="1"/>
-          </p:cNvPicPr>
-          <p:nvPr/>
-        </p:nvPicPr>
-        <p:blipFill>
-          <a:blip r:embed="rId3"/>
-          <a:stretch>
-            <a:fillRect/>
-          </a:stretch>
-        </p:blipFill>
-        <p:spPr>
-          <a:xfrm>
-            <a:off x="12839215" y="7749540"/>
-            <a:ext cx="1722605" cy="411480"/>
-          </a:xfrm>
-          <a:prstGeom prst="rect">
-            <a:avLst/>
-          </a:prstGeom>
-        </p:spPr>
-      </p:pic>
     </p:spTree>
   </p:cSld>
   <p:clrMapOvr>
@@ -1480,32 +1454,6 @@
           <a:ln/>
         </p:spPr>
       </p:sp>
-      <p:pic>
-        <p:nvPicPr>
-          <p:cNvPr id="4" name="Image 0" descr="preencoded.png">
-            <a:hlinkClick r:id="rId2"/>
-          </p:cNvPr>
-          <p:cNvPicPr>
-            <a:picLocks noChangeAspect="1"/>
-          </p:cNvPicPr>
-          <p:nvPr/>
-        </p:nvPicPr>
-        <p:blipFill>
-          <a:blip r:embed="rId3"/>
-          <a:stretch>
-            <a:fillRect/>
-          </a:stretch>
-        </p:blipFill>
-        <p:spPr>
-          <a:xfrm>
-            <a:off x="12839215" y="7749540"/>
-            <a:ext cx="1722605" cy="411480"/>
-          </a:xfrm>
-          <a:prstGeom prst="rect">
-            <a:avLst/>
-          </a:prstGeom>
-        </p:spPr>
-      </p:pic>
     </p:spTree>
   </p:cSld>
   <p:clrMapOvr>
@@ -1571,32 +1519,6 @@
           <a:ln/>
         </p:spPr>
       </p:sp>
-      <p:pic>
-        <p:nvPicPr>
-          <p:cNvPr id="4" name="Image 0" descr="preencoded.png">
-            <a:hlinkClick r:id="rId2"/>
-          </p:cNvPr>
-          <p:cNvPicPr>
-            <a:picLocks noChangeAspect="1"/>
-          </p:cNvPicPr>
-          <p:nvPr/>
-        </p:nvPicPr>
-        <p:blipFill>
-          <a:blip r:embed="rId3"/>
-          <a:stretch>
-            <a:fillRect/>
-          </a:stretch>
-        </p:blipFill>
-        <p:spPr>
-          <a:xfrm>
-            <a:off x="12839215" y="7749540"/>
-            <a:ext cx="1722605" cy="411480"/>
-          </a:xfrm>
-          <a:prstGeom prst="rect">
-            <a:avLst/>
-          </a:prstGeom>
-        </p:spPr>
-      </p:pic>
     </p:spTree>
   </p:cSld>
   <p:clrMapOvr>
@@ -1662,32 +1584,6 @@
           <a:ln/>
         </p:spPr>
       </p:sp>
-      <p:pic>
-        <p:nvPicPr>
-          <p:cNvPr id="4" name="Image 0" descr="preencoded.png">
-            <a:hlinkClick r:id="rId2"/>
-          </p:cNvPr>
-          <p:cNvPicPr>
-            <a:picLocks noChangeAspect="1"/>
-          </p:cNvPicPr>
-          <p:nvPr/>
-        </p:nvPicPr>
-        <p:blipFill>
-          <a:blip r:embed="rId3"/>
-          <a:stretch>
-            <a:fillRect/>
-          </a:stretch>
-        </p:blipFill>
-        <p:spPr>
-          <a:xfrm>
-            <a:off x="12839215" y="7749540"/>
-            <a:ext cx="1722605" cy="411480"/>
-          </a:xfrm>
-          <a:prstGeom prst="rect">
-            <a:avLst/>
-          </a:prstGeom>
-        </p:spPr>
-      </p:pic>
     </p:spTree>
   </p:cSld>
   <p:clrMapOvr>
@@ -1753,32 +1649,6 @@
           <a:ln/>
         </p:spPr>
       </p:sp>
-      <p:pic>
-        <p:nvPicPr>
-          <p:cNvPr id="4" name="Image 0" descr="preencoded.png">
-            <a:hlinkClick r:id="rId2"/>
-          </p:cNvPr>
-          <p:cNvPicPr>
-            <a:picLocks noChangeAspect="1"/>
-          </p:cNvPicPr>
-          <p:nvPr/>
-        </p:nvPicPr>
-        <p:blipFill>
-          <a:blip r:embed="rId3"/>
-          <a:stretch>
-            <a:fillRect/>
-          </a:stretch>
-        </p:blipFill>
-        <p:spPr>
-          <a:xfrm>
-            <a:off x="12839215" y="7749540"/>
-            <a:ext cx="1722605" cy="411480"/>
-          </a:xfrm>
-          <a:prstGeom prst="rect">
-            <a:avLst/>
-          </a:prstGeom>
-        </p:spPr>
-      </p:pic>
     </p:spTree>
   </p:cSld>
   <p:clrMapOvr>
@@ -1844,32 +1714,6 @@
           <a:ln/>
         </p:spPr>
       </p:sp>
-      <p:pic>
-        <p:nvPicPr>
-          <p:cNvPr id="4" name="Image 0" descr="preencoded.png">
-            <a:hlinkClick r:id="rId2"/>
-          </p:cNvPr>
-          <p:cNvPicPr>
-            <a:picLocks noChangeAspect="1"/>
-          </p:cNvPicPr>
-          <p:nvPr/>
-        </p:nvPicPr>
-        <p:blipFill>
-          <a:blip r:embed="rId3"/>
-          <a:stretch>
-            <a:fillRect/>
-          </a:stretch>
-        </p:blipFill>
-        <p:spPr>
-          <a:xfrm>
-            <a:off x="12839215" y="7749540"/>
-            <a:ext cx="1722605" cy="411480"/>
-          </a:xfrm>
-          <a:prstGeom prst="rect">
-            <a:avLst/>
-          </a:prstGeom>
-        </p:spPr>
-      </p:pic>
     </p:spTree>
   </p:cSld>
   <p:clrMapOvr>
@@ -1935,32 +1779,6 @@
           <a:ln/>
         </p:spPr>
       </p:sp>
-      <p:pic>
-        <p:nvPicPr>
-          <p:cNvPr id="4" name="Image 0" descr="preencoded.png">
-            <a:hlinkClick r:id="rId2"/>
-          </p:cNvPr>
-          <p:cNvPicPr>
-            <a:picLocks noChangeAspect="1"/>
-          </p:cNvPicPr>
-          <p:nvPr/>
-        </p:nvPicPr>
-        <p:blipFill>
-          <a:blip r:embed="rId3"/>
-          <a:stretch>
-            <a:fillRect/>
-          </a:stretch>
-        </p:blipFill>
-        <p:spPr>
-          <a:xfrm>
-            <a:off x="12839215" y="7749540"/>
-            <a:ext cx="1722605" cy="411480"/>
-          </a:xfrm>
-          <a:prstGeom prst="rect">
-            <a:avLst/>
-          </a:prstGeom>
-        </p:spPr>
-      </p:pic>
     </p:spTree>
   </p:cSld>
   <p:clrMapOvr>
@@ -2026,32 +1844,6 @@
           <a:ln/>
         </p:spPr>
       </p:sp>
-      <p:pic>
-        <p:nvPicPr>
-          <p:cNvPr id="4" name="Image 0" descr="preencoded.png">
-            <a:hlinkClick r:id="rId2"/>
-          </p:cNvPr>
-          <p:cNvPicPr>
-            <a:picLocks noChangeAspect="1"/>
-          </p:cNvPicPr>
-          <p:nvPr/>
-        </p:nvPicPr>
-        <p:blipFill>
-          <a:blip r:embed="rId3"/>
-          <a:stretch>
-            <a:fillRect/>
-          </a:stretch>
-        </p:blipFill>
-        <p:spPr>
-          <a:xfrm>
-            <a:off x="12839215" y="7749540"/>
-            <a:ext cx="1722605" cy="411480"/>
-          </a:xfrm>
-          <a:prstGeom prst="rect">
-            <a:avLst/>
-          </a:prstGeom>
-        </p:spPr>
-      </p:pic>
     </p:spTree>
   </p:cSld>
   <p:clrMapOvr>
@@ -2117,32 +1909,6 @@
           <a:ln/>
         </p:spPr>
       </p:sp>
-      <p:pic>
-        <p:nvPicPr>
-          <p:cNvPr id="4" name="Image 0" descr="preencoded.png">
-            <a:hlinkClick r:id="rId2"/>
-          </p:cNvPr>
-          <p:cNvPicPr>
-            <a:picLocks noChangeAspect="1"/>
-          </p:cNvPicPr>
-          <p:nvPr/>
-        </p:nvPicPr>
-        <p:blipFill>
-          <a:blip r:embed="rId3"/>
-          <a:stretch>
-            <a:fillRect/>
-          </a:stretch>
-        </p:blipFill>
-        <p:spPr>
-          <a:xfrm>
-            <a:off x="12839215" y="7749540"/>
-            <a:ext cx="1722605" cy="411480"/>
-          </a:xfrm>
-          <a:prstGeom prst="rect">
-            <a:avLst/>
-          </a:prstGeom>
-        </p:spPr>
-      </p:pic>
     </p:spTree>
   </p:cSld>
   <p:clrMapOvr>
@@ -2208,32 +1974,6 @@
           <a:ln/>
         </p:spPr>
       </p:sp>
-      <p:pic>
-        <p:nvPicPr>
-          <p:cNvPr id="4" name="Image 0" descr="preencoded.png">
-            <a:hlinkClick r:id="rId2"/>
-          </p:cNvPr>
-          <p:cNvPicPr>
-            <a:picLocks noChangeAspect="1"/>
-          </p:cNvPicPr>
-          <p:nvPr/>
-        </p:nvPicPr>
-        <p:blipFill>
-          <a:blip r:embed="rId3"/>
-          <a:stretch>
-            <a:fillRect/>
-          </a:stretch>
-        </p:blipFill>
-        <p:spPr>
-          <a:xfrm>
-            <a:off x="12839215" y="7749540"/>
-            <a:ext cx="1722605" cy="411480"/>
-          </a:xfrm>
-          <a:prstGeom prst="rect">
-            <a:avLst/>
-          </a:prstGeom>
-        </p:spPr>
-      </p:pic>
     </p:spTree>
   </p:cSld>
   <p:clrMapOvr>
@@ -3392,36 +3132,6 @@
           </a:p>
         </p:txBody>
       </p:sp>
-      <p:pic>
-        <p:nvPicPr>
-          <p:cNvPr id="15" name="Picture 14">
-            <a:extLst>
-              <a:ext uri="{FF2B5EF4-FFF2-40B4-BE49-F238E27FC236}">
-                <a16:creationId xmlns:a16="http://schemas.microsoft.com/office/drawing/2014/main" id="{96A556FF-66F1-7090-3C3C-943D03E15B8A}"/>
-              </a:ext>
-            </a:extLst>
-          </p:cNvPr>
-          <p:cNvPicPr>
-            <a:picLocks noChangeAspect="1"/>
-          </p:cNvPicPr>
-          <p:nvPr/>
-        </p:nvPicPr>
-        <p:blipFill>
-          <a:blip r:embed="rId3"/>
-          <a:stretch>
-            <a:fillRect/>
-          </a:stretch>
-        </p:blipFill>
-        <p:spPr>
-          <a:xfrm>
-            <a:off x="11399552" y="7229339"/>
-            <a:ext cx="3181794" cy="971686"/>
-          </a:xfrm>
-          <a:prstGeom prst="rect">
-            <a:avLst/>
-          </a:prstGeom>
-        </p:spPr>
-      </p:pic>
     </p:spTree>
   </p:cSld>
   <p:clrMapOvr>
@@ -3963,36 +3673,6 @@
           </a:p>
         </p:txBody>
       </p:sp>
-      <p:pic>
-        <p:nvPicPr>
-          <p:cNvPr id="17" name="Picture 16">
-            <a:extLst>
-              <a:ext uri="{FF2B5EF4-FFF2-40B4-BE49-F238E27FC236}">
-                <a16:creationId xmlns:a16="http://schemas.microsoft.com/office/drawing/2014/main" id="{96A1654A-8C70-912D-C16E-9A95040AD9DA}"/>
-              </a:ext>
-            </a:extLst>
-          </p:cNvPr>
-          <p:cNvPicPr>
-            <a:picLocks noChangeAspect="1"/>
-          </p:cNvPicPr>
-          <p:nvPr/>
-        </p:nvPicPr>
-        <p:blipFill>
-          <a:blip r:embed="rId7"/>
-          <a:stretch>
-            <a:fillRect/>
-          </a:stretch>
-        </p:blipFill>
-        <p:spPr>
-          <a:xfrm>
-            <a:off x="11448606" y="7239817"/>
-            <a:ext cx="3181794" cy="971686"/>
-          </a:xfrm>
-          <a:prstGeom prst="rect">
-            <a:avLst/>
-          </a:prstGeom>
-        </p:spPr>
-      </p:pic>
     </p:spTree>
   </p:cSld>
   <p:clrMapOvr>
@@ -4300,58 +3980,6 @@
           </a:prstGeom>
         </p:spPr>
       </p:pic>
-      <p:sp>
-        <p:nvSpPr>
-          <p:cNvPr id="11" name="Rectangle 10">
-            <a:extLst>
-              <a:ext uri="{FF2B5EF4-FFF2-40B4-BE49-F238E27FC236}">
-                <a16:creationId xmlns:a16="http://schemas.microsoft.com/office/drawing/2014/main" id="{1E24718A-331C-C371-23EB-0CA9E901975F}"/>
-              </a:ext>
-            </a:extLst>
-          </p:cNvPr>
-          <p:cNvSpPr/>
-          <p:nvPr/>
-        </p:nvSpPr>
-        <p:spPr>
-          <a:xfrm>
-            <a:off x="11468100" y="7334250"/>
-            <a:ext cx="3162300" cy="895350"/>
-          </a:xfrm>
-          <a:prstGeom prst="rect">
-            <a:avLst/>
-          </a:prstGeom>
-          <a:solidFill>
-            <a:srgbClr val="FFFFFF"/>
-          </a:solidFill>
-          <a:ln>
-            <a:noFill/>
-          </a:ln>
-        </p:spPr>
-        <p:style>
-          <a:lnRef idx="2">
-            <a:schemeClr val="accent1">
-              <a:shade val="15000"/>
-            </a:schemeClr>
-          </a:lnRef>
-          <a:fillRef idx="1">
-            <a:schemeClr val="accent1"/>
-          </a:fillRef>
-          <a:effectRef idx="0">
-            <a:schemeClr val="accent1"/>
-          </a:effectRef>
-          <a:fontRef idx="minor">
-            <a:schemeClr val="lt1"/>
-          </a:fontRef>
-        </p:style>
-        <p:txBody>
-          <a:bodyPr rtlCol="0" anchor="ctr"/>
-          <a:lstStyle/>
-          <a:p>
-            <a:pPr algn="ctr"/>
-            <a:endParaRPr lang="fr-FR"/>
-          </a:p>
-        </p:txBody>
-      </p:sp>
     </p:spTree>
   </p:cSld>
   <p:clrMapOvr>
@@ -5073,36 +4701,6 @@
           </a:p>
         </p:txBody>
       </p:sp>
-      <p:pic>
-        <p:nvPicPr>
-          <p:cNvPr id="21" name="Picture 20">
-            <a:extLst>
-              <a:ext uri="{FF2B5EF4-FFF2-40B4-BE49-F238E27FC236}">
-                <a16:creationId xmlns:a16="http://schemas.microsoft.com/office/drawing/2014/main" id="{0438745E-3B7E-F99C-C3F6-24F06F597F77}"/>
-              </a:ext>
-            </a:extLst>
-          </p:cNvPr>
-          <p:cNvPicPr>
-            <a:picLocks noChangeAspect="1"/>
-          </p:cNvPicPr>
-          <p:nvPr/>
-        </p:nvPicPr>
-        <p:blipFill>
-          <a:blip r:embed="rId3"/>
-          <a:stretch>
-            <a:fillRect/>
-          </a:stretch>
-        </p:blipFill>
-        <p:spPr>
-          <a:xfrm>
-            <a:off x="11326909" y="7257914"/>
-            <a:ext cx="3181794" cy="971686"/>
-          </a:xfrm>
-          <a:prstGeom prst="rect">
-            <a:avLst/>
-          </a:prstGeom>
-        </p:spPr>
-      </p:pic>
     </p:spTree>
   </p:cSld>
   <p:clrMapOvr>
@@ -5128,58 +4726,6 @@
           <a:chExt cx="0" cy="0"/>
         </a:xfrm>
       </p:grpSpPr>
-      <p:sp>
-        <p:nvSpPr>
-          <p:cNvPr id="25" name="Rectangle 24">
-            <a:extLst>
-              <a:ext uri="{FF2B5EF4-FFF2-40B4-BE49-F238E27FC236}">
-                <a16:creationId xmlns:a16="http://schemas.microsoft.com/office/drawing/2014/main" id="{ABEF6298-FFC7-10AB-FDBF-1ADED3C2B08C}"/>
-              </a:ext>
-            </a:extLst>
-          </p:cNvPr>
-          <p:cNvSpPr/>
-          <p:nvPr/>
-        </p:nvSpPr>
-        <p:spPr>
-          <a:xfrm>
-            <a:off x="12327038" y="6825179"/>
-            <a:ext cx="2303362" cy="1404421"/>
-          </a:xfrm>
-          <a:prstGeom prst="rect">
-            <a:avLst/>
-          </a:prstGeom>
-          <a:solidFill>
-            <a:srgbClr val="FFFFFF"/>
-          </a:solidFill>
-          <a:ln>
-            <a:noFill/>
-          </a:ln>
-        </p:spPr>
-        <p:style>
-          <a:lnRef idx="2">
-            <a:schemeClr val="accent1">
-              <a:shade val="15000"/>
-            </a:schemeClr>
-          </a:lnRef>
-          <a:fillRef idx="1">
-            <a:schemeClr val="accent1"/>
-          </a:fillRef>
-          <a:effectRef idx="0">
-            <a:schemeClr val="accent1"/>
-          </a:effectRef>
-          <a:fontRef idx="minor">
-            <a:schemeClr val="lt1"/>
-          </a:fontRef>
-        </p:style>
-        <p:txBody>
-          <a:bodyPr rtlCol="0" anchor="ctr"/>
-          <a:lstStyle/>
-          <a:p>
-            <a:pPr algn="ctr"/>
-            <a:endParaRPr lang="fr-FR"/>
-          </a:p>
-        </p:txBody>
-      </p:sp>
       <p:sp>
         <p:nvSpPr>
           <p:cNvPr id="2" name="Text 0"/>
@@ -6965,36 +6511,6 @@
           <a:xfrm>
             <a:off x="6253163" y="385283"/>
             <a:ext cx="8015288" cy="2700337"/>
-          </a:xfrm>
-          <a:prstGeom prst="rect">
-            <a:avLst/>
-          </a:prstGeom>
-        </p:spPr>
-      </p:pic>
-      <p:pic>
-        <p:nvPicPr>
-          <p:cNvPr id="40" name="Picture 39">
-            <a:extLst>
-              <a:ext uri="{FF2B5EF4-FFF2-40B4-BE49-F238E27FC236}">
-                <a16:creationId xmlns:a16="http://schemas.microsoft.com/office/drawing/2014/main" id="{A2AFEA99-DAC1-F7C9-B1F0-79F6C9F20F03}"/>
-              </a:ext>
-            </a:extLst>
-          </p:cNvPr>
-          <p:cNvPicPr>
-            <a:picLocks noChangeAspect="1"/>
-          </p:cNvPicPr>
-          <p:nvPr/>
-        </p:nvPicPr>
-        <p:blipFill>
-          <a:blip r:embed="rId5"/>
-          <a:stretch>
-            <a:fillRect/>
-          </a:stretch>
-        </p:blipFill>
-        <p:spPr>
-          <a:xfrm>
-            <a:off x="11448606" y="7257914"/>
-            <a:ext cx="3181794" cy="971686"/>
           </a:xfrm>
           <a:prstGeom prst="rect">
             <a:avLst/>
@@ -7606,36 +7122,6 @@
           </a:prstGeom>
         </p:spPr>
       </p:pic>
-      <p:pic>
-        <p:nvPicPr>
-          <p:cNvPr id="11" name="Picture 10">
-            <a:extLst>
-              <a:ext uri="{FF2B5EF4-FFF2-40B4-BE49-F238E27FC236}">
-                <a16:creationId xmlns:a16="http://schemas.microsoft.com/office/drawing/2014/main" id="{FAE429CF-CF36-002F-C598-B176FB33364C}"/>
-              </a:ext>
-            </a:extLst>
-          </p:cNvPr>
-          <p:cNvPicPr>
-            <a:picLocks noChangeAspect="1"/>
-          </p:cNvPicPr>
-          <p:nvPr/>
-        </p:nvPicPr>
-        <p:blipFill>
-          <a:blip r:embed="rId4"/>
-          <a:stretch>
-            <a:fillRect/>
-          </a:stretch>
-        </p:blipFill>
-        <p:spPr>
-          <a:xfrm>
-            <a:off x="11315478" y="7697323"/>
-            <a:ext cx="3181794" cy="485843"/>
-          </a:xfrm>
-          <a:prstGeom prst="rect">
-            <a:avLst/>
-          </a:prstGeom>
-        </p:spPr>
-      </p:pic>
     </p:spTree>
   </p:cSld>
   <p:clrMapOvr>
@@ -7711,7 +7197,7 @@
         </p:nvSpPr>
         <p:spPr>
           <a:xfrm>
-            <a:off x="793790" y="1262182"/>
+            <a:off x="786170" y="1032153"/>
             <a:ext cx="9718358" cy="708779"/>
           </a:xfrm>
           <a:prstGeom prst="rect">
@@ -7753,7 +7239,7 @@
         </p:nvSpPr>
         <p:spPr>
           <a:xfrm>
-            <a:off x="793790" y="2311122"/>
+            <a:off x="786170" y="1996083"/>
             <a:ext cx="13042821" cy="725805"/>
           </a:xfrm>
           <a:prstGeom prst="rect">
@@ -7795,7 +7281,7 @@
         </p:nvSpPr>
         <p:spPr>
           <a:xfrm>
-            <a:off x="793790" y="3292078"/>
+            <a:off x="768906" y="2885956"/>
             <a:ext cx="13042821" cy="2765227"/>
           </a:xfrm>
           <a:prstGeom prst="roundRect">
@@ -7829,7 +7315,7 @@
         </p:nvSpPr>
         <p:spPr>
           <a:xfrm>
-            <a:off x="801410" y="3299698"/>
+            <a:off x="776526" y="2893576"/>
             <a:ext cx="4342448" cy="2749987"/>
           </a:xfrm>
           <a:prstGeom prst="roundRect">
@@ -7858,7 +7344,7 @@
         </p:nvSpPr>
         <p:spPr>
           <a:xfrm>
-            <a:off x="1028224" y="3526512"/>
+            <a:off x="1003340" y="3120390"/>
             <a:ext cx="2835235" cy="354330"/>
           </a:xfrm>
           <a:prstGeom prst="rect">
@@ -7900,7 +7386,7 @@
         </p:nvSpPr>
         <p:spPr>
           <a:xfrm>
-            <a:off x="1028224" y="4016931"/>
+            <a:off x="1003340" y="3610809"/>
             <a:ext cx="3548658" cy="1088708"/>
           </a:xfrm>
           <a:prstGeom prst="rect">
@@ -7942,7 +7428,7 @@
         </p:nvSpPr>
         <p:spPr>
           <a:xfrm>
-            <a:off x="5143857" y="3299698"/>
+            <a:off x="5118973" y="2893576"/>
             <a:ext cx="4342567" cy="2749987"/>
           </a:xfrm>
           <a:prstGeom prst="rect">
@@ -7969,7 +7455,7 @@
         </p:nvSpPr>
         <p:spPr>
           <a:xfrm>
-            <a:off x="5143857" y="3299698"/>
+            <a:off x="5118973" y="2893576"/>
             <a:ext cx="30480" cy="2749987"/>
           </a:xfrm>
           <a:prstGeom prst="roundRect">
@@ -7998,7 +7484,7 @@
         </p:nvSpPr>
         <p:spPr>
           <a:xfrm>
-            <a:off x="5710833" y="3526512"/>
+            <a:off x="5685949" y="3120390"/>
             <a:ext cx="3208615" cy="708660"/>
           </a:xfrm>
           <a:prstGeom prst="rect">
@@ -8040,7 +7526,7 @@
         </p:nvSpPr>
         <p:spPr>
           <a:xfrm>
-            <a:off x="5710833" y="4371261"/>
+            <a:off x="5685949" y="3965139"/>
             <a:ext cx="3208615" cy="1451610"/>
           </a:xfrm>
           <a:prstGeom prst="rect">
@@ -8082,7 +7568,7 @@
         </p:nvSpPr>
         <p:spPr>
           <a:xfrm>
-            <a:off x="4860369" y="4391144"/>
+            <a:off x="4835485" y="3985022"/>
             <a:ext cx="566976" cy="566976"/>
           </a:xfrm>
           <a:prstGeom prst="roundRect">
@@ -8124,7 +7610,7 @@
         </p:blipFill>
         <p:spPr>
           <a:xfrm>
-            <a:off x="5002054" y="4497467"/>
+            <a:off x="4977170" y="4091345"/>
             <a:ext cx="283488" cy="354330"/>
           </a:xfrm>
           <a:prstGeom prst="rect">
@@ -8140,7 +7626,7 @@
         </p:nvSpPr>
         <p:spPr>
           <a:xfrm>
-            <a:off x="9486424" y="3299698"/>
+            <a:off x="9461540" y="2893576"/>
             <a:ext cx="4342567" cy="2749987"/>
           </a:xfrm>
           <a:prstGeom prst="rect">
@@ -8167,7 +7653,7 @@
         </p:nvSpPr>
         <p:spPr>
           <a:xfrm>
-            <a:off x="9486424" y="3299698"/>
+            <a:off x="9461540" y="2893576"/>
             <a:ext cx="30480" cy="2749987"/>
           </a:xfrm>
           <a:prstGeom prst="roundRect">
@@ -8196,7 +7682,7 @@
         </p:nvSpPr>
         <p:spPr>
           <a:xfrm>
-            <a:off x="10053399" y="3526512"/>
+            <a:off x="10028515" y="3120390"/>
             <a:ext cx="2835235" cy="354330"/>
           </a:xfrm>
           <a:prstGeom prst="rect">
@@ -8238,7 +7724,7 @@
         </p:nvSpPr>
         <p:spPr>
           <a:xfrm>
-            <a:off x="10053399" y="4016931"/>
+            <a:off x="10028515" y="3610809"/>
             <a:ext cx="3548777" cy="1088708"/>
           </a:xfrm>
           <a:prstGeom prst="rect">
@@ -8280,7 +7766,7 @@
         </p:nvSpPr>
         <p:spPr>
           <a:xfrm>
-            <a:off x="9202936" y="4391144"/>
+            <a:off x="9178052" y="3985022"/>
             <a:ext cx="566976" cy="566976"/>
           </a:xfrm>
           <a:prstGeom prst="roundRect">
@@ -8322,7 +7808,7 @@
         </p:blipFill>
         <p:spPr>
           <a:xfrm>
-            <a:off x="9344620" y="4497467"/>
+            <a:off x="9319736" y="4091345"/>
             <a:ext cx="283488" cy="354330"/>
           </a:xfrm>
           <a:prstGeom prst="rect">
@@ -8332,14 +7818,103 @@
       </p:pic>
       <p:sp>
         <p:nvSpPr>
-          <p:cNvPr id="21" name="Text 17"/>
-          <p:cNvSpPr/>
-          <p:nvPr/>
-        </p:nvSpPr>
-        <p:spPr>
-          <a:xfrm>
-            <a:off x="1133951" y="6567607"/>
-            <a:ext cx="12702659" cy="725805"/>
+          <p:cNvPr id="23" name="Shape 4">
+            <a:extLst>
+              <a:ext uri="{FF2B5EF4-FFF2-40B4-BE49-F238E27FC236}">
+                <a16:creationId xmlns:a16="http://schemas.microsoft.com/office/drawing/2014/main" id="{50F4EE8F-9FB3-F79B-21DD-1E2C50A70F45}"/>
+              </a:ext>
+            </a:extLst>
+          </p:cNvPr>
+          <p:cNvSpPr/>
+          <p:nvPr/>
+        </p:nvSpPr>
+        <p:spPr>
+          <a:xfrm>
+            <a:off x="5119092" y="6031250"/>
+            <a:ext cx="4342448" cy="1885355"/>
+          </a:xfrm>
+          <a:prstGeom prst="roundRect">
+            <a:avLst>
+              <a:gd name="adj" fmla="val 3464"/>
+            </a:avLst>
+          </a:prstGeom>
+          <a:solidFill>
+            <a:srgbClr val="DADBF1"/>
+          </a:solidFill>
+          <a:ln/>
+        </p:spPr>
+        <p:txBody>
+          <a:bodyPr/>
+          <a:lstStyle/>
+          <a:p>
+            <a:endParaRPr lang="fr-FR"/>
+          </a:p>
+        </p:txBody>
+      </p:sp>
+      <p:sp>
+        <p:nvSpPr>
+          <p:cNvPr id="25" name="Text 5">
+            <a:extLst>
+              <a:ext uri="{FF2B5EF4-FFF2-40B4-BE49-F238E27FC236}">
+                <a16:creationId xmlns:a16="http://schemas.microsoft.com/office/drawing/2014/main" id="{8B413F4D-7445-2568-A3B6-B8AA8175E1A4}"/>
+              </a:ext>
+            </a:extLst>
+          </p:cNvPr>
+          <p:cNvSpPr/>
+          <p:nvPr/>
+        </p:nvSpPr>
+        <p:spPr>
+          <a:xfrm>
+            <a:off x="5588616" y="6167339"/>
+            <a:ext cx="2835235" cy="354330"/>
+          </a:xfrm>
+          <a:prstGeom prst="rect">
+            <a:avLst/>
+          </a:prstGeom>
+          <a:noFill/>
+          <a:ln/>
+        </p:spPr>
+        <p:txBody>
+          <a:bodyPr wrap="none" lIns="0" tIns="0" rIns="0" bIns="0" rtlCol="0" anchor="t"/>
+          <a:lstStyle/>
+          <a:p>
+            <a:pPr marL="0" indent="0" algn="l">
+              <a:lnSpc>
+                <a:spcPts val="2750"/>
+              </a:lnSpc>
+              <a:buNone/>
+            </a:pPr>
+            <a:r>
+              <a:rPr lang="en-US" sz="2200" b="1" dirty="0">
+                <a:solidFill>
+                  <a:srgbClr val="272525"/>
+                </a:solidFill>
+                <a:latin typeface="Inter Bold" pitchFamily="34" charset="0"/>
+                <a:ea typeface="Inter Bold" pitchFamily="34" charset="-122"/>
+                <a:cs typeface="Inter Bold" pitchFamily="34" charset="-120"/>
+              </a:rPr>
+              <a:t>LLM Processing</a:t>
+            </a:r>
+            <a:endParaRPr lang="en-US" sz="2200" dirty="0"/>
+          </a:p>
+        </p:txBody>
+      </p:sp>
+      <p:sp>
+        <p:nvSpPr>
+          <p:cNvPr id="26" name="Text 6">
+            <a:extLst>
+              <a:ext uri="{FF2B5EF4-FFF2-40B4-BE49-F238E27FC236}">
+                <a16:creationId xmlns:a16="http://schemas.microsoft.com/office/drawing/2014/main" id="{B02C457D-12A0-D72D-B436-FE822DAFB367}"/>
+              </a:ext>
+            </a:extLst>
+          </p:cNvPr>
+          <p:cNvSpPr/>
+          <p:nvPr/>
+        </p:nvSpPr>
+        <p:spPr>
+          <a:xfrm>
+            <a:off x="5588616" y="6521669"/>
+            <a:ext cx="3548658" cy="1088708"/>
           </a:xfrm>
           <a:prstGeom prst="rect">
             <a:avLst/>
@@ -8366,69 +7941,147 @@
                 <a:ea typeface="Inter" pitchFamily="34" charset="-122"/>
                 <a:cs typeface="Inter" pitchFamily="34" charset="-120"/>
               </a:rPr>
-              <a:t>"This hybrid model significantly improves recommendation accuracy and aligns recommendations with core business objectives, moving beyond mere correlation to strategic impact."</a:t>
+              <a:t>A large language model is used to validate recommendations based on the client’s profile</a:t>
             </a:r>
             <a:endParaRPr lang="en-US" sz="1750" dirty="0"/>
           </a:p>
         </p:txBody>
       </p:sp>
-      <p:sp>
-        <p:nvSpPr>
-          <p:cNvPr id="22" name="Shape 18"/>
-          <p:cNvSpPr/>
-          <p:nvPr/>
-        </p:nvSpPr>
-        <p:spPr>
-          <a:xfrm>
-            <a:off x="793790" y="6312456"/>
-            <a:ext cx="30480" cy="1236107"/>
-          </a:xfrm>
-          <a:prstGeom prst="rect">
-            <a:avLst/>
-          </a:prstGeom>
-          <a:solidFill>
-            <a:srgbClr val="4950BC"/>
-          </a:solidFill>
-          <a:ln/>
-        </p:spPr>
-        <p:txBody>
-          <a:bodyPr/>
-          <a:lstStyle/>
-          <a:p>
-            <a:endParaRPr lang="fr-FR"/>
-          </a:p>
-        </p:txBody>
-      </p:sp>
-      <p:pic>
-        <p:nvPicPr>
-          <p:cNvPr id="24" name="Picture 23">
+      <p:cxnSp>
+        <p:nvCxnSpPr>
+          <p:cNvPr id="28" name="Connector: Curved 27">
             <a:extLst>
               <a:ext uri="{FF2B5EF4-FFF2-40B4-BE49-F238E27FC236}">
-                <a16:creationId xmlns:a16="http://schemas.microsoft.com/office/drawing/2014/main" id="{30A9AB86-C611-6362-461D-DF9CBC259299}"/>
+                <a16:creationId xmlns:a16="http://schemas.microsoft.com/office/drawing/2014/main" id="{74206E5F-E080-2E0A-41B5-088F23DA339C}"/>
               </a:ext>
             </a:extLst>
           </p:cNvPr>
-          <p:cNvPicPr>
-            <a:picLocks noChangeAspect="1"/>
-          </p:cNvPicPr>
-          <p:nvPr/>
-        </p:nvPicPr>
-        <p:blipFill>
-          <a:blip r:embed="rId5"/>
-          <a:stretch>
-            <a:fillRect/>
-          </a:stretch>
-        </p:blipFill>
-        <p:spPr>
-          <a:xfrm>
-            <a:off x="11448606" y="7245770"/>
-            <a:ext cx="3181794" cy="971686"/>
-          </a:xfrm>
-          <a:prstGeom prst="rect">
-            <a:avLst/>
-          </a:prstGeom>
-        </p:spPr>
-      </p:pic>
+          <p:cNvCxnSpPr>
+            <a:stCxn id="6" idx="2"/>
+            <a:endCxn id="23" idx="1"/>
+          </p:cNvCxnSpPr>
+          <p:nvPr/>
+        </p:nvCxnSpPr>
+        <p:spPr>
+          <a:xfrm rot="16200000" flipH="1">
+            <a:off x="3368239" y="5223074"/>
+            <a:ext cx="1330365" cy="2171342"/>
+          </a:xfrm>
+          <a:prstGeom prst="curvedConnector2">
+            <a:avLst/>
+          </a:prstGeom>
+          <a:ln w="57150">
+            <a:solidFill>
+              <a:schemeClr val="tx1"/>
+            </a:solidFill>
+            <a:tailEnd type="triangle"/>
+          </a:ln>
+        </p:spPr>
+        <p:style>
+          <a:lnRef idx="1">
+            <a:schemeClr val="accent1"/>
+          </a:lnRef>
+          <a:fillRef idx="0">
+            <a:schemeClr val="accent1"/>
+          </a:fillRef>
+          <a:effectRef idx="0">
+            <a:schemeClr val="accent1"/>
+          </a:effectRef>
+          <a:fontRef idx="minor">
+            <a:schemeClr val="tx1"/>
+          </a:fontRef>
+        </p:style>
+      </p:cxnSp>
+      <p:cxnSp>
+        <p:nvCxnSpPr>
+          <p:cNvPr id="30" name="Connector: Curved 29">
+            <a:extLst>
+              <a:ext uri="{FF2B5EF4-FFF2-40B4-BE49-F238E27FC236}">
+                <a16:creationId xmlns:a16="http://schemas.microsoft.com/office/drawing/2014/main" id="{F22D9347-1B41-012B-80CB-1B79B38B3762}"/>
+              </a:ext>
+            </a:extLst>
+          </p:cNvPr>
+          <p:cNvCxnSpPr>
+            <a:stCxn id="15" idx="2"/>
+            <a:endCxn id="23" idx="3"/>
+          </p:cNvCxnSpPr>
+          <p:nvPr/>
+        </p:nvCxnSpPr>
+        <p:spPr>
+          <a:xfrm rot="5400000">
+            <a:off x="9882000" y="5223103"/>
+            <a:ext cx="1330365" cy="2171284"/>
+          </a:xfrm>
+          <a:prstGeom prst="curvedConnector2">
+            <a:avLst/>
+          </a:prstGeom>
+          <a:ln w="57150">
+            <a:solidFill>
+              <a:schemeClr val="tx1"/>
+            </a:solidFill>
+            <a:tailEnd type="triangle"/>
+          </a:ln>
+        </p:spPr>
+        <p:style>
+          <a:lnRef idx="1">
+            <a:schemeClr val="accent1"/>
+          </a:lnRef>
+          <a:fillRef idx="0">
+            <a:schemeClr val="accent1"/>
+          </a:fillRef>
+          <a:effectRef idx="0">
+            <a:schemeClr val="accent1"/>
+          </a:effectRef>
+          <a:fontRef idx="minor">
+            <a:schemeClr val="tx1"/>
+          </a:fontRef>
+        </p:style>
+      </p:cxnSp>
+      <p:cxnSp>
+        <p:nvCxnSpPr>
+          <p:cNvPr id="42" name="Straight Arrow Connector 41">
+            <a:extLst>
+              <a:ext uri="{FF2B5EF4-FFF2-40B4-BE49-F238E27FC236}">
+                <a16:creationId xmlns:a16="http://schemas.microsoft.com/office/drawing/2014/main" id="{9534076C-6C83-0CF3-8C4B-DDF5AAB6081F}"/>
+              </a:ext>
+            </a:extLst>
+          </p:cNvPr>
+          <p:cNvCxnSpPr>
+            <a:stCxn id="9" idx="2"/>
+            <a:endCxn id="23" idx="0"/>
+          </p:cNvCxnSpPr>
+          <p:nvPr/>
+        </p:nvCxnSpPr>
+        <p:spPr>
+          <a:xfrm>
+            <a:off x="7290257" y="5643563"/>
+            <a:ext cx="59" cy="387687"/>
+          </a:xfrm>
+          <a:prstGeom prst="straightConnector1">
+            <a:avLst/>
+          </a:prstGeom>
+          <a:ln w="57150">
+            <a:solidFill>
+              <a:schemeClr val="tx1"/>
+            </a:solidFill>
+            <a:tailEnd type="triangle"/>
+          </a:ln>
+        </p:spPr>
+        <p:style>
+          <a:lnRef idx="1">
+            <a:schemeClr val="accent1"/>
+          </a:lnRef>
+          <a:fillRef idx="0">
+            <a:schemeClr val="accent1"/>
+          </a:fillRef>
+          <a:effectRef idx="0">
+            <a:schemeClr val="accent1"/>
+          </a:effectRef>
+          <a:fontRef idx="minor">
+            <a:schemeClr val="tx1"/>
+          </a:fontRef>
+        </p:style>
+      </p:cxnSp>
     </p:spTree>
   </p:cSld>
   <p:clrMapOvr>
